--- a/Figures.pptx
+++ b/Figures.pptx
@@ -108,6 +108,11 @@
       </a:defRPr>
     </a:lvl9pPr>
   </p:defaultTextStyle>
+  <p:extLst>
+    <p:ext uri="{EFAFB233-063F-42B5-8137-9DF3F51BA10A}">
+      <p15:sldGuideLst xmlns:p15="http://schemas.microsoft.com/office/powerpoint/2012/main"/>
+    </p:ext>
+  </p:extLst>
 </p:presentation>
 </file>
 
@@ -258,7 +263,7 @@
           <a:p>
             <a:fld id="{6DC748ED-5CF5-CD4C-9FF2-B9B7ABFF9505}" type="datetimeFigureOut">
               <a:rPr kumimoji="1" lang="zh-CN" altLang="en-US" smtClean="0"/>
-              <a:t>2023/4/18</a:t>
+              <a:t>2023/8/14</a:t>
             </a:fld>
             <a:endParaRPr kumimoji="1" lang="zh-CN" altLang="en-US"/>
           </a:p>
@@ -456,7 +461,7 @@
           <a:p>
             <a:fld id="{6DC748ED-5CF5-CD4C-9FF2-B9B7ABFF9505}" type="datetimeFigureOut">
               <a:rPr kumimoji="1" lang="zh-CN" altLang="en-US" smtClean="0"/>
-              <a:t>2023/4/18</a:t>
+              <a:t>2023/8/14</a:t>
             </a:fld>
             <a:endParaRPr kumimoji="1" lang="zh-CN" altLang="en-US"/>
           </a:p>
@@ -664,7 +669,7 @@
           <a:p>
             <a:fld id="{6DC748ED-5CF5-CD4C-9FF2-B9B7ABFF9505}" type="datetimeFigureOut">
               <a:rPr kumimoji="1" lang="zh-CN" altLang="en-US" smtClean="0"/>
-              <a:t>2023/4/18</a:t>
+              <a:t>2023/8/14</a:t>
             </a:fld>
             <a:endParaRPr kumimoji="1" lang="zh-CN" altLang="en-US"/>
           </a:p>
@@ -862,7 +867,7 @@
           <a:p>
             <a:fld id="{6DC748ED-5CF5-CD4C-9FF2-B9B7ABFF9505}" type="datetimeFigureOut">
               <a:rPr kumimoji="1" lang="zh-CN" altLang="en-US" smtClean="0"/>
-              <a:t>2023/4/18</a:t>
+              <a:t>2023/8/14</a:t>
             </a:fld>
             <a:endParaRPr kumimoji="1" lang="zh-CN" altLang="en-US"/>
           </a:p>
@@ -1137,7 +1142,7 @@
           <a:p>
             <a:fld id="{6DC748ED-5CF5-CD4C-9FF2-B9B7ABFF9505}" type="datetimeFigureOut">
               <a:rPr kumimoji="1" lang="zh-CN" altLang="en-US" smtClean="0"/>
-              <a:t>2023/4/18</a:t>
+              <a:t>2023/8/14</a:t>
             </a:fld>
             <a:endParaRPr kumimoji="1" lang="zh-CN" altLang="en-US"/>
           </a:p>
@@ -1402,7 +1407,7 @@
           <a:p>
             <a:fld id="{6DC748ED-5CF5-CD4C-9FF2-B9B7ABFF9505}" type="datetimeFigureOut">
               <a:rPr kumimoji="1" lang="zh-CN" altLang="en-US" smtClean="0"/>
-              <a:t>2023/4/18</a:t>
+              <a:t>2023/8/14</a:t>
             </a:fld>
             <a:endParaRPr kumimoji="1" lang="zh-CN" altLang="en-US"/>
           </a:p>
@@ -1814,7 +1819,7 @@
           <a:p>
             <a:fld id="{6DC748ED-5CF5-CD4C-9FF2-B9B7ABFF9505}" type="datetimeFigureOut">
               <a:rPr kumimoji="1" lang="zh-CN" altLang="en-US" smtClean="0"/>
-              <a:t>2023/4/18</a:t>
+              <a:t>2023/8/14</a:t>
             </a:fld>
             <a:endParaRPr kumimoji="1" lang="zh-CN" altLang="en-US"/>
           </a:p>
@@ -1955,7 +1960,7 @@
           <a:p>
             <a:fld id="{6DC748ED-5CF5-CD4C-9FF2-B9B7ABFF9505}" type="datetimeFigureOut">
               <a:rPr kumimoji="1" lang="zh-CN" altLang="en-US" smtClean="0"/>
-              <a:t>2023/4/18</a:t>
+              <a:t>2023/8/14</a:t>
             </a:fld>
             <a:endParaRPr kumimoji="1" lang="zh-CN" altLang="en-US"/>
           </a:p>
@@ -2068,7 +2073,7 @@
           <a:p>
             <a:fld id="{6DC748ED-5CF5-CD4C-9FF2-B9B7ABFF9505}" type="datetimeFigureOut">
               <a:rPr kumimoji="1" lang="zh-CN" altLang="en-US" smtClean="0"/>
-              <a:t>2023/4/18</a:t>
+              <a:t>2023/8/14</a:t>
             </a:fld>
             <a:endParaRPr kumimoji="1" lang="zh-CN" altLang="en-US"/>
           </a:p>
@@ -2379,7 +2384,7 @@
           <a:p>
             <a:fld id="{6DC748ED-5CF5-CD4C-9FF2-B9B7ABFF9505}" type="datetimeFigureOut">
               <a:rPr kumimoji="1" lang="zh-CN" altLang="en-US" smtClean="0"/>
-              <a:t>2023/4/18</a:t>
+              <a:t>2023/8/14</a:t>
             </a:fld>
             <a:endParaRPr kumimoji="1" lang="zh-CN" altLang="en-US"/>
           </a:p>
@@ -2667,7 +2672,7 @@
           <a:p>
             <a:fld id="{6DC748ED-5CF5-CD4C-9FF2-B9B7ABFF9505}" type="datetimeFigureOut">
               <a:rPr kumimoji="1" lang="zh-CN" altLang="en-US" smtClean="0"/>
-              <a:t>2023/4/18</a:t>
+              <a:t>2023/8/14</a:t>
             </a:fld>
             <a:endParaRPr kumimoji="1" lang="zh-CN" altLang="en-US"/>
           </a:p>
@@ -2908,7 +2913,7 @@
           <a:p>
             <a:fld id="{6DC748ED-5CF5-CD4C-9FF2-B9B7ABFF9505}" type="datetimeFigureOut">
               <a:rPr kumimoji="1" lang="zh-CN" altLang="en-US" smtClean="0"/>
-              <a:t>2023/4/18</a:t>
+              <a:t>2023/8/14</a:t>
             </a:fld>
             <a:endParaRPr kumimoji="1" lang="zh-CN" altLang="en-US"/>
           </a:p>
@@ -3340,9 +3345,9 @@
         <p:grpSpPr>
           <a:xfrm>
             <a:off x="119270" y="129209"/>
-            <a:ext cx="11897141" cy="2492514"/>
+            <a:ext cx="11953460" cy="2492514"/>
             <a:chOff x="119270" y="129209"/>
-            <a:chExt cx="11897141" cy="2492514"/>
+            <a:chExt cx="11953460" cy="2492514"/>
           </a:xfrm>
         </p:grpSpPr>
         <p:sp>
@@ -3416,7 +3421,7 @@
           <p:spPr>
             <a:xfrm>
               <a:off x="119270" y="626165"/>
-              <a:ext cx="11897141" cy="1200329"/>
+              <a:ext cx="11953460" cy="1754326"/>
             </a:xfrm>
             <a:prstGeom prst="rect">
               <a:avLst/>
@@ -3438,20 +3443,7 @@
                   <a:latin typeface="Arial" panose="020B0604020202020204" pitchFamily="34" charset="0"/>
                   <a:cs typeface="Arial" panose="020B0604020202020204" pitchFamily="34" charset="0"/>
                 </a:rPr>
-                <a:t>Prediction of Collision Cross Section Value for </a:t>
-              </a:r>
-            </a:p>
-            <a:p>
-              <a:pPr algn="ctr"/>
-              <a:r>
-                <a:rPr kumimoji="1" lang="en-US" altLang="zh-CN" sz="3600" dirty="0">
-                  <a:solidFill>
-                    <a:srgbClr val="C00000"/>
-                  </a:solidFill>
-                  <a:latin typeface="Arial" panose="020B0604020202020204" pitchFamily="34" charset="0"/>
-                  <a:cs typeface="Arial" panose="020B0604020202020204" pitchFamily="34" charset="0"/>
-                </a:rPr>
-                <a:t>Small Molecule Identification by Graph Neural Networks</a:t>
+                <a:t>Prediction of Collision Cross-Section Values by Multimodal Graph Attention Network for Accurate Identification of Small Molecules</a:t>
               </a:r>
             </a:p>
           </p:txBody>

--- a/Figures.pptx
+++ b/Figures.pptx
@@ -263,7 +263,7 @@
           <a:p>
             <a:fld id="{6DC748ED-5CF5-CD4C-9FF2-B9B7ABFF9505}" type="datetimeFigureOut">
               <a:rPr kumimoji="1" lang="zh-CN" altLang="en-US" smtClean="0"/>
-              <a:t>2023/8/14</a:t>
+              <a:t>2023/12/6</a:t>
             </a:fld>
             <a:endParaRPr kumimoji="1" lang="zh-CN" altLang="en-US"/>
           </a:p>
@@ -461,7 +461,7 @@
           <a:p>
             <a:fld id="{6DC748ED-5CF5-CD4C-9FF2-B9B7ABFF9505}" type="datetimeFigureOut">
               <a:rPr kumimoji="1" lang="zh-CN" altLang="en-US" smtClean="0"/>
-              <a:t>2023/8/14</a:t>
+              <a:t>2023/12/6</a:t>
             </a:fld>
             <a:endParaRPr kumimoji="1" lang="zh-CN" altLang="en-US"/>
           </a:p>
@@ -669,7 +669,7 @@
           <a:p>
             <a:fld id="{6DC748ED-5CF5-CD4C-9FF2-B9B7ABFF9505}" type="datetimeFigureOut">
               <a:rPr kumimoji="1" lang="zh-CN" altLang="en-US" smtClean="0"/>
-              <a:t>2023/8/14</a:t>
+              <a:t>2023/12/6</a:t>
             </a:fld>
             <a:endParaRPr kumimoji="1" lang="zh-CN" altLang="en-US"/>
           </a:p>
@@ -867,7 +867,7 @@
           <a:p>
             <a:fld id="{6DC748ED-5CF5-CD4C-9FF2-B9B7ABFF9505}" type="datetimeFigureOut">
               <a:rPr kumimoji="1" lang="zh-CN" altLang="en-US" smtClean="0"/>
-              <a:t>2023/8/14</a:t>
+              <a:t>2023/12/6</a:t>
             </a:fld>
             <a:endParaRPr kumimoji="1" lang="zh-CN" altLang="en-US"/>
           </a:p>
@@ -1142,7 +1142,7 @@
           <a:p>
             <a:fld id="{6DC748ED-5CF5-CD4C-9FF2-B9B7ABFF9505}" type="datetimeFigureOut">
               <a:rPr kumimoji="1" lang="zh-CN" altLang="en-US" smtClean="0"/>
-              <a:t>2023/8/14</a:t>
+              <a:t>2023/12/6</a:t>
             </a:fld>
             <a:endParaRPr kumimoji="1" lang="zh-CN" altLang="en-US"/>
           </a:p>
@@ -1407,7 +1407,7 @@
           <a:p>
             <a:fld id="{6DC748ED-5CF5-CD4C-9FF2-B9B7ABFF9505}" type="datetimeFigureOut">
               <a:rPr kumimoji="1" lang="zh-CN" altLang="en-US" smtClean="0"/>
-              <a:t>2023/8/14</a:t>
+              <a:t>2023/12/6</a:t>
             </a:fld>
             <a:endParaRPr kumimoji="1" lang="zh-CN" altLang="en-US"/>
           </a:p>
@@ -1819,7 +1819,7 @@
           <a:p>
             <a:fld id="{6DC748ED-5CF5-CD4C-9FF2-B9B7ABFF9505}" type="datetimeFigureOut">
               <a:rPr kumimoji="1" lang="zh-CN" altLang="en-US" smtClean="0"/>
-              <a:t>2023/8/14</a:t>
+              <a:t>2023/12/6</a:t>
             </a:fld>
             <a:endParaRPr kumimoji="1" lang="zh-CN" altLang="en-US"/>
           </a:p>
@@ -1960,7 +1960,7 @@
           <a:p>
             <a:fld id="{6DC748ED-5CF5-CD4C-9FF2-B9B7ABFF9505}" type="datetimeFigureOut">
               <a:rPr kumimoji="1" lang="zh-CN" altLang="en-US" smtClean="0"/>
-              <a:t>2023/8/14</a:t>
+              <a:t>2023/12/6</a:t>
             </a:fld>
             <a:endParaRPr kumimoji="1" lang="zh-CN" altLang="en-US"/>
           </a:p>
@@ -2073,7 +2073,7 @@
           <a:p>
             <a:fld id="{6DC748ED-5CF5-CD4C-9FF2-B9B7ABFF9505}" type="datetimeFigureOut">
               <a:rPr kumimoji="1" lang="zh-CN" altLang="en-US" smtClean="0"/>
-              <a:t>2023/8/14</a:t>
+              <a:t>2023/12/6</a:t>
             </a:fld>
             <a:endParaRPr kumimoji="1" lang="zh-CN" altLang="en-US"/>
           </a:p>
@@ -2384,7 +2384,7 @@
           <a:p>
             <a:fld id="{6DC748ED-5CF5-CD4C-9FF2-B9B7ABFF9505}" type="datetimeFigureOut">
               <a:rPr kumimoji="1" lang="zh-CN" altLang="en-US" smtClean="0"/>
-              <a:t>2023/8/14</a:t>
+              <a:t>2023/12/6</a:t>
             </a:fld>
             <a:endParaRPr kumimoji="1" lang="zh-CN" altLang="en-US"/>
           </a:p>
@@ -2672,7 +2672,7 @@
           <a:p>
             <a:fld id="{6DC748ED-5CF5-CD4C-9FF2-B9B7ABFF9505}" type="datetimeFigureOut">
               <a:rPr kumimoji="1" lang="zh-CN" altLang="en-US" smtClean="0"/>
-              <a:t>2023/8/14</a:t>
+              <a:t>2023/12/6</a:t>
             </a:fld>
             <a:endParaRPr kumimoji="1" lang="zh-CN" altLang="en-US"/>
           </a:p>
@@ -2913,7 +2913,7 @@
           <a:p>
             <a:fld id="{6DC748ED-5CF5-CD4C-9FF2-B9B7ABFF9505}" type="datetimeFigureOut">
               <a:rPr kumimoji="1" lang="zh-CN" altLang="en-US" smtClean="0"/>
-              <a:t>2023/8/14</a:t>
+              <a:t>2023/12/6</a:t>
             </a:fld>
             <a:endParaRPr kumimoji="1" lang="zh-CN" altLang="en-US"/>
           </a:p>
@@ -3443,7 +3443,7 @@
                   <a:latin typeface="Arial" panose="020B0604020202020204" pitchFamily="34" charset="0"/>
                   <a:cs typeface="Arial" panose="020B0604020202020204" pitchFamily="34" charset="0"/>
                 </a:rPr>
-                <a:t>Prediction of Collision Cross-Section Values by Multimodal Graph Attention Network for Accurate Identification of Small Molecules</a:t>
+                <a:t>Accurate Prediction of Small Molecule Collision Cross-Section Values Through Chemical Class-Based Multimodal Graph Attention Network </a:t>
               </a:r>
             </a:p>
           </p:txBody>
